--- a/Resources_original/story/6人の料理人と隻眼の少女~シナリオ~.pptx
+++ b/Resources_original/story/6人の料理人と隻眼の少女~シナリオ~.pptx
@@ -221,7 +221,7 @@
           <a:p>
             <a:fld id="{32E7293F-C29C-4DAF-B003-6635C5AC9888}" type="datetimeFigureOut">
               <a:rPr kumimoji="1" lang="ja-JP" altLang="en-US" smtClean="0"/>
-              <a:t>2015/6/17</a:t>
+              <a:t>2015/6/22</a:t>
             </a:fld>
             <a:endParaRPr kumimoji="1" lang="ja-JP" altLang="en-US"/>
           </a:p>
@@ -702,7 +702,7 @@
           <a:p>
             <a:fld id="{53301AFF-6423-4665-9D34-57969B6DC78B}" type="datetimeFigureOut">
               <a:rPr kumimoji="1" lang="ja-JP" altLang="en-US" smtClean="0"/>
-              <a:t>2015/6/17</a:t>
+              <a:t>2015/6/22</a:t>
             </a:fld>
             <a:endParaRPr kumimoji="1" lang="ja-JP" altLang="en-US"/>
           </a:p>
@@ -904,7 +904,7 @@
           <a:p>
             <a:fld id="{53301AFF-6423-4665-9D34-57969B6DC78B}" type="datetimeFigureOut">
               <a:rPr kumimoji="1" lang="ja-JP" altLang="en-US" smtClean="0"/>
-              <a:t>2015/6/17</a:t>
+              <a:t>2015/6/22</a:t>
             </a:fld>
             <a:endParaRPr kumimoji="1" lang="ja-JP" altLang="en-US"/>
           </a:p>
@@ -1116,7 +1116,7 @@
           <a:p>
             <a:fld id="{53301AFF-6423-4665-9D34-57969B6DC78B}" type="datetimeFigureOut">
               <a:rPr kumimoji="1" lang="ja-JP" altLang="en-US" smtClean="0"/>
-              <a:t>2015/6/17</a:t>
+              <a:t>2015/6/22</a:t>
             </a:fld>
             <a:endParaRPr kumimoji="1" lang="ja-JP" altLang="en-US"/>
           </a:p>
@@ -1318,7 +1318,7 @@
           <a:p>
             <a:fld id="{53301AFF-6423-4665-9D34-57969B6DC78B}" type="datetimeFigureOut">
               <a:rPr kumimoji="1" lang="ja-JP" altLang="en-US" smtClean="0"/>
-              <a:t>2015/6/17</a:t>
+              <a:t>2015/6/22</a:t>
             </a:fld>
             <a:endParaRPr kumimoji="1" lang="ja-JP" altLang="en-US"/>
           </a:p>
@@ -1564,7 +1564,7 @@
           <a:p>
             <a:fld id="{53301AFF-6423-4665-9D34-57969B6DC78B}" type="datetimeFigureOut">
               <a:rPr kumimoji="1" lang="ja-JP" altLang="en-US" smtClean="0"/>
-              <a:t>2015/6/17</a:t>
+              <a:t>2015/6/22</a:t>
             </a:fld>
             <a:endParaRPr kumimoji="1" lang="ja-JP" altLang="en-US"/>
           </a:p>
@@ -1916,7 +1916,7 @@
           <a:p>
             <a:fld id="{53301AFF-6423-4665-9D34-57969B6DC78B}" type="datetimeFigureOut">
               <a:rPr kumimoji="1" lang="ja-JP" altLang="en-US" smtClean="0"/>
-              <a:t>2015/6/17</a:t>
+              <a:t>2015/6/22</a:t>
             </a:fld>
             <a:endParaRPr kumimoji="1" lang="ja-JP" altLang="en-US"/>
           </a:p>
@@ -2402,7 +2402,7 @@
           <a:p>
             <a:fld id="{53301AFF-6423-4665-9D34-57969B6DC78B}" type="datetimeFigureOut">
               <a:rPr kumimoji="1" lang="ja-JP" altLang="en-US" smtClean="0"/>
-              <a:t>2015/6/17</a:t>
+              <a:t>2015/6/22</a:t>
             </a:fld>
             <a:endParaRPr kumimoji="1" lang="ja-JP" altLang="en-US"/>
           </a:p>
@@ -2520,7 +2520,7 @@
           <a:p>
             <a:fld id="{53301AFF-6423-4665-9D34-57969B6DC78B}" type="datetimeFigureOut">
               <a:rPr kumimoji="1" lang="ja-JP" altLang="en-US" smtClean="0"/>
-              <a:t>2015/6/17</a:t>
+              <a:t>2015/6/22</a:t>
             </a:fld>
             <a:endParaRPr kumimoji="1" lang="ja-JP" altLang="en-US"/>
           </a:p>
@@ -2615,7 +2615,7 @@
           <a:p>
             <a:fld id="{53301AFF-6423-4665-9D34-57969B6DC78B}" type="datetimeFigureOut">
               <a:rPr kumimoji="1" lang="ja-JP" altLang="en-US" smtClean="0"/>
-              <a:t>2015/6/17</a:t>
+              <a:t>2015/6/22</a:t>
             </a:fld>
             <a:endParaRPr kumimoji="1" lang="ja-JP" altLang="en-US"/>
           </a:p>
@@ -2924,7 +2924,7 @@
           <a:p>
             <a:fld id="{53301AFF-6423-4665-9D34-57969B6DC78B}" type="datetimeFigureOut">
               <a:rPr kumimoji="1" lang="ja-JP" altLang="en-US" smtClean="0"/>
-              <a:t>2015/6/17</a:t>
+              <a:t>2015/6/22</a:t>
             </a:fld>
             <a:endParaRPr kumimoji="1" lang="ja-JP" altLang="en-US"/>
           </a:p>
@@ -3177,7 +3177,7 @@
           <a:p>
             <a:fld id="{53301AFF-6423-4665-9D34-57969B6DC78B}" type="datetimeFigureOut">
               <a:rPr kumimoji="1" lang="ja-JP" altLang="en-US" smtClean="0"/>
-              <a:t>2015/6/17</a:t>
+              <a:t>2015/6/22</a:t>
             </a:fld>
             <a:endParaRPr kumimoji="1" lang="ja-JP" altLang="en-US"/>
           </a:p>
@@ -3422,7 +3422,7 @@
           <a:p>
             <a:fld id="{53301AFF-6423-4665-9D34-57969B6DC78B}" type="datetimeFigureOut">
               <a:rPr kumimoji="1" lang="ja-JP" altLang="en-US" smtClean="0"/>
-              <a:t>2015/6/17</a:t>
+              <a:t>2015/6/22</a:t>
             </a:fld>
             <a:endParaRPr kumimoji="1" lang="ja-JP" altLang="en-US"/>
           </a:p>
@@ -8509,7 +8509,7 @@
         </p:blipFill>
         <p:spPr>
           <a:xfrm>
-            <a:off x="3275856" y="2343150"/>
+            <a:off x="6140896" y="2481436"/>
             <a:ext cx="2895600" cy="2171700"/>
           </a:xfrm>
           <a:prstGeom prst="rect">
@@ -10864,14 +10864,14 @@
       </p:grpSpPr>
       <p:sp>
         <p:nvSpPr>
-          <p:cNvPr id="2" name="テキスト ボックス 1"/>
+          <p:cNvPr id="3" name="テキスト ボックス 2"/>
           <p:cNvSpPr txBox="1"/>
           <p:nvPr/>
         </p:nvSpPr>
         <p:spPr>
           <a:xfrm>
-            <a:off x="5247362" y="1340768"/>
-            <a:ext cx="2954655" cy="5194692"/>
+            <a:off x="5208453" y="476672"/>
+            <a:ext cx="3785652" cy="5694829"/>
           </a:xfrm>
           <a:prstGeom prst="rect">
             <a:avLst/>
@@ -10885,101 +10885,94 @@
           <a:lstStyle/>
           <a:p>
             <a:r>
+              <a:rPr kumimoji="1" lang="ja-JP" altLang="en-US" dirty="0" smtClean="0"/>
+              <a:t>ゴール</a:t>
+            </a:r>
+            <a:endParaRPr kumimoji="1" lang="en-US" altLang="ja-JP" dirty="0" smtClean="0"/>
+          </a:p>
+          <a:p>
+            <a:endParaRPr lang="en-US" altLang="ja-JP" dirty="0"/>
+          </a:p>
+          <a:p>
+            <a:endParaRPr kumimoji="1" lang="en-US" altLang="ja-JP" dirty="0" smtClean="0"/>
+          </a:p>
+          <a:p>
+            <a:r>
+              <a:rPr lang="ja-JP" altLang="en-US" dirty="0" smtClean="0"/>
+              <a:t>・娘にも食べられる料理を作る</a:t>
+            </a:r>
+            <a:endParaRPr lang="en-US" altLang="ja-JP" dirty="0" smtClean="0"/>
+          </a:p>
+          <a:p>
+            <a:r>
+              <a:rPr lang="ja-JP" altLang="en-US" dirty="0" smtClean="0"/>
+              <a:t>　アメリカの医師（荒間</a:t>
+            </a:r>
+            <a:r>
               <a:rPr lang="ja-JP" altLang="en-US" dirty="0"/>
-              <a:t>栄養面から</a:t>
+              <a:t>田</a:t>
             </a:r>
             <a:r>
               <a:rPr lang="ja-JP" altLang="en-US" dirty="0" smtClean="0"/>
-              <a:t>言います</a:t>
-            </a:r>
+              <a:t>の知り合い）を紹介して渡米</a:t>
+            </a:r>
+            <a:r>
+              <a:rPr lang="en-US" altLang="ja-JP" dirty="0" smtClean="0"/>
+              <a:t>end</a:t>
+            </a:r>
+          </a:p>
+          <a:p>
             <a:endParaRPr lang="en-US" altLang="ja-JP" dirty="0" smtClean="0"/>
           </a:p>
           <a:p>
             <a:r>
               <a:rPr lang="ja-JP" altLang="en-US" dirty="0" smtClean="0"/>
-              <a:t>と</a:t>
-            </a:r>
-            <a:r>
-              <a:rPr lang="ja-JP" altLang="en-US" dirty="0"/>
-              <a:t>、私達は自分の</a:t>
-            </a:r>
+              <a:t>・娘が夫人を喰ってしまい</a:t>
+            </a:r>
+            <a:endParaRPr lang="en-US" altLang="ja-JP" dirty="0" smtClean="0"/>
+          </a:p>
+          <a:p>
             <a:r>
               <a:rPr lang="ja-JP" altLang="en-US" dirty="0" smtClean="0"/>
-              <a:t>体</a:t>
+              <a:t>「自分も殺してくれ」と懇願</a:t>
             </a:r>
             <a:endParaRPr lang="en-US" altLang="ja-JP" dirty="0" smtClean="0"/>
           </a:p>
           <a:p>
             <a:r>
               <a:rPr lang="ja-JP" altLang="en-US" dirty="0" smtClean="0"/>
-              <a:t>内</a:t>
-            </a:r>
-            <a:r>
-              <a:rPr lang="ja-JP" altLang="en-US" dirty="0"/>
-              <a:t>で生産できない</a:t>
-            </a:r>
+              <a:t>　娘も殺して</a:t>
+            </a:r>
+            <a:r>
+              <a:rPr lang="en-US" altLang="ja-JP" dirty="0" smtClean="0"/>
+              <a:t>end</a:t>
+            </a:r>
+          </a:p>
+          <a:p>
+            <a:endParaRPr lang="en-US" altLang="ja-JP" dirty="0"/>
+          </a:p>
+          <a:p>
             <a:r>
               <a:rPr lang="ja-JP" altLang="en-US" dirty="0" smtClean="0"/>
-              <a:t>も</a:t>
+              <a:t>・娘が夫人を喰ってしまう</a:t>
+            </a:r>
+          </a:p>
+          <a:p>
+            <a:r>
+              <a:rPr lang="ja-JP" altLang="en-US" dirty="0" smtClean="0"/>
+              <a:t>　　　　　　↓</a:t>
+            </a:r>
+          </a:p>
+          <a:p>
+            <a:r>
+              <a:rPr lang="ja-JP" altLang="en-US" smtClean="0"/>
+              <a:t>　娘も退治して</a:t>
+            </a:r>
+            <a:r>
+              <a:rPr lang="en-US" altLang="ja-JP" smtClean="0"/>
+              <a:t>end</a:t>
             </a:r>
             <a:endParaRPr lang="en-US" altLang="ja-JP" dirty="0" smtClean="0"/>
-          </a:p>
-          <a:p>
-            <a:r>
-              <a:rPr lang="ja-JP" altLang="en-US" dirty="0" err="1" smtClean="0"/>
-              <a:t>のを</a:t>
-            </a:r>
-            <a:r>
-              <a:rPr lang="ja-JP" altLang="en-US" dirty="0"/>
-              <a:t>他の生き物から摂取しているわけで、</a:t>
-            </a:r>
-            <a:br>
-              <a:rPr lang="ja-JP" altLang="en-US" dirty="0"/>
-            </a:br>
-            <a:r>
-              <a:rPr lang="ja-JP" altLang="en-US" dirty="0"/>
-              <a:t>　同じものしか持</a:t>
-            </a:r>
-            <a:r>
-              <a:rPr lang="ja-JP" altLang="en-US" dirty="0" smtClean="0"/>
-              <a:t>っ</a:t>
-            </a:r>
-            <a:endParaRPr lang="en-US" altLang="ja-JP" dirty="0" smtClean="0"/>
-          </a:p>
-          <a:p>
-            <a:r>
-              <a:rPr lang="ja-JP" altLang="en-US" dirty="0" smtClean="0"/>
-              <a:t>て</a:t>
-            </a:r>
-            <a:r>
-              <a:rPr lang="ja-JP" altLang="en-US" dirty="0"/>
-              <a:t>いないヒトを食べるのは合理的ではないそうです</a:t>
-            </a:r>
-            <a:r>
-              <a:rPr lang="ja-JP" altLang="en-US" dirty="0" smtClean="0"/>
-              <a:t>。</a:t>
-            </a:r>
-            <a:endParaRPr lang="en-US" altLang="ja-JP" dirty="0" smtClean="0"/>
-          </a:p>
-          <a:p>
-            <a:endParaRPr kumimoji="1" lang="en-US" altLang="ja-JP" dirty="0"/>
-          </a:p>
-          <a:p>
-            <a:r>
-              <a:rPr lang="ja-JP" altLang="en-US" dirty="0" smtClean="0"/>
-              <a:t>狂人病に感染しやすくなる</a:t>
-            </a:r>
-            <a:endParaRPr lang="en-US" altLang="ja-JP" dirty="0" smtClean="0"/>
-          </a:p>
-          <a:p>
-            <a:endParaRPr kumimoji="1" lang="en-US" altLang="ja-JP" dirty="0"/>
-          </a:p>
-          <a:p>
-            <a:r>
-              <a:rPr lang="ja-JP" altLang="en-US" smtClean="0"/>
-              <a:t>豚肉のような味</a:t>
-            </a:r>
-            <a:endParaRPr kumimoji="1" lang="ja-JP" altLang="en-US" dirty="0"/>
           </a:p>
         </p:txBody>
       </p:sp>
@@ -11942,14 +11935,7 @@
                 <a:latin typeface="HGS創英ﾌﾟﾚｾﾞﾝｽEB" panose="02020800000000000000" pitchFamily="18" charset="-128"/>
                 <a:ea typeface="HGS創英ﾌﾟﾚｾﾞﾝｽEB" panose="02020800000000000000" pitchFamily="18" charset="-128"/>
               </a:rPr>
-              <a:t>　　西棟１階入って右手</a:t>
-            </a:r>
-            <a:r>
-              <a:rPr lang="ja-JP" altLang="en-US" dirty="0" smtClean="0">
-                <a:latin typeface="HGS創英ﾌﾟﾚｾﾞﾝｽEB" panose="02020800000000000000" pitchFamily="18" charset="-128"/>
-                <a:ea typeface="HGS創英ﾌﾟﾚｾﾞﾝｽEB" panose="02020800000000000000" pitchFamily="18" charset="-128"/>
-              </a:rPr>
-              <a:t>が</a:t>
+              <a:t>　　西棟１階入って右手が</a:t>
             </a:r>
             <a:r>
               <a:rPr lang="ja-JP" altLang="en-US" dirty="0">
@@ -11963,21 +11949,7 @@
                 <a:latin typeface="HGS創英ﾌﾟﾚｾﾞﾝｽEB" panose="02020800000000000000" pitchFamily="18" charset="-128"/>
                 <a:ea typeface="HGS創英ﾌﾟﾚｾﾞﾝｽEB" panose="02020800000000000000" pitchFamily="18" charset="-128"/>
               </a:rPr>
-              <a:t>様</a:t>
-            </a:r>
-            <a:r>
-              <a:rPr lang="ja-JP" altLang="en-US" dirty="0" smtClean="0">
-                <a:latin typeface="HGS創英ﾌﾟﾚｾﾞﾝｽEB" panose="02020800000000000000" pitchFamily="18" charset="-128"/>
-                <a:ea typeface="HGS創英ﾌﾟﾚｾﾞﾝｽEB" panose="02020800000000000000" pitchFamily="18" charset="-128"/>
-              </a:rPr>
-              <a:t>、左手</a:t>
-            </a:r>
-            <a:r>
-              <a:rPr lang="ja-JP" altLang="en-US" dirty="0" smtClean="0">
-                <a:latin typeface="HGS創英ﾌﾟﾚｾﾞﾝｽEB" panose="02020800000000000000" pitchFamily="18" charset="-128"/>
-                <a:ea typeface="HGS創英ﾌﾟﾚｾﾞﾝｽEB" panose="02020800000000000000" pitchFamily="18" charset="-128"/>
-              </a:rPr>
-              <a:t>が中山様</a:t>
+              <a:t>様、左手が中山様</a:t>
             </a:r>
             <a:endParaRPr lang="en-US" altLang="ja-JP" dirty="0" smtClean="0">
               <a:latin typeface="HGS創英ﾌﾟﾚｾﾞﾝｽEB" panose="02020800000000000000" pitchFamily="18" charset="-128"/>
